--- a/Exercise 8: Plotting geospatial data from NetCDF files/10.02.2019_G489589_FinalNetCDF_final.pptx
+++ b/Exercise 8: Plotting geospatial data from NetCDF files/10.02.2019_G489589_FinalNetCDF_final.pptx
@@ -4222,8 +4222,21 @@
             </a:r>
             <a:r>
               <a:rPr lang="en-US" dirty="0"/>
-              <a:t>GPP over time.</a:t>
-            </a:r>
+              <a:t>GPP over time (not a spatial average – just considering the </a:t>
+            </a:r>
+            <a:r>
+              <a:rPr lang="en-US"/>
+              <a:t>1</a:t>
+            </a:r>
+            <a:r>
+              <a:rPr lang="en-US" baseline="30000"/>
+              <a:t>st</a:t>
+            </a:r>
+            <a:r>
+              <a:rPr lang="en-US"/>
+              <a:t> dimension).</a:t>
+            </a:r>
+            <a:endParaRPr lang="en-US" dirty="0"/>
           </a:p>
           <a:p>
             <a:pPr lvl="1">
